--- a/1-Lessons/Lesson17/PowerPointInLecture/CE3372-Lesson-17.pptx
+++ b/1-Lessons/Lesson17/PowerPointInLecture/CE3372-Lesson-17.pptx
@@ -3112,7 +3112,7 @@
           <a:noFill/>
           <a:extLst>
             <a:ext uri="{909E8E84-426E-40dd-AFC4-6F175D3DCCD1}">
-              <a14:hiddenFill xmlns:a14="http://schemas.microsoft.com/office/drawing/2010/main" xmlns="">
+              <a14:hiddenFill xmlns="" xmlns:a14="http://schemas.microsoft.com/office/drawing/2010/main">
                 <a:solidFill>
                   <a:srgbClr val="FFFFFF"/>
                 </a:solidFill>
@@ -3172,7 +3172,7 @@
             </a:ln>
             <a:extLst>
               <a:ext uri="{91240B29-F687-4f45-9708-019B960494DF}">
-                <a14:hiddenLine xmlns:a14="http://schemas.microsoft.com/office/drawing/2010/main" xmlns="" w="9525">
+                <a14:hiddenLine xmlns="" xmlns:a14="http://schemas.microsoft.com/office/drawing/2010/main" w="9525">
                   <a:solidFill>
                     <a:srgbClr val="000000"/>
                   </a:solidFill>
@@ -3262,7 +3262,7 @@
             </a:ln>
             <a:extLst>
               <a:ext uri="{91240B29-F687-4f45-9708-019B960494DF}">
-                <a14:hiddenLine xmlns:a14="http://schemas.microsoft.com/office/drawing/2010/main" xmlns="" w="9525">
+                <a14:hiddenLine xmlns="" xmlns:a14="http://schemas.microsoft.com/office/drawing/2010/main" w="9525">
                   <a:solidFill>
                     <a:srgbClr val="000000"/>
                   </a:solidFill>
@@ -3352,7 +3352,7 @@
             </a:ln>
             <a:extLst>
               <a:ext uri="{91240B29-F687-4f45-9708-019B960494DF}">
-                <a14:hiddenLine xmlns:a14="http://schemas.microsoft.com/office/drawing/2010/main" xmlns="" w="9525">
+                <a14:hiddenLine xmlns="" xmlns:a14="http://schemas.microsoft.com/office/drawing/2010/main" w="9525">
                   <a:solidFill>
                     <a:srgbClr val="000000"/>
                   </a:solidFill>
@@ -3386,7 +3386,7 @@
             </a:ln>
             <a:extLst>
               <a:ext uri="{91240B29-F687-4f45-9708-019B960494DF}">
-                <a14:hiddenLine xmlns:a14="http://schemas.microsoft.com/office/drawing/2010/main" xmlns="" w="9525">
+                <a14:hiddenLine xmlns="" xmlns:a14="http://schemas.microsoft.com/office/drawing/2010/main" w="9525">
                   <a:solidFill>
                     <a:srgbClr val="000000"/>
                   </a:solidFill>
@@ -3476,7 +3476,7 @@
             </a:ln>
             <a:extLst>
               <a:ext uri="{91240B29-F687-4f45-9708-019B960494DF}">
-                <a14:hiddenLine xmlns:a14="http://schemas.microsoft.com/office/drawing/2010/main" xmlns="" w="9525">
+                <a14:hiddenLine xmlns="" xmlns:a14="http://schemas.microsoft.com/office/drawing/2010/main" w="9525">
                   <a:solidFill>
                     <a:srgbClr val="000000"/>
                   </a:solidFill>
@@ -3538,7 +3538,7 @@
             </a:ln>
             <a:extLst>
               <a:ext uri="{91240B29-F687-4f45-9708-019B960494DF}">
-                <a14:hiddenLine xmlns:a14="http://schemas.microsoft.com/office/drawing/2010/main" xmlns="" w="9525">
+                <a14:hiddenLine xmlns="" xmlns:a14="http://schemas.microsoft.com/office/drawing/2010/main" w="9525">
                   <a:solidFill>
                     <a:srgbClr val="000000"/>
                   </a:solidFill>
@@ -3600,7 +3600,7 @@
             </a:ln>
             <a:extLst>
               <a:ext uri="{91240B29-F687-4f45-9708-019B960494DF}">
-                <a14:hiddenLine xmlns:a14="http://schemas.microsoft.com/office/drawing/2010/main" xmlns="" w="9525">
+                <a14:hiddenLine xmlns="" xmlns:a14="http://schemas.microsoft.com/office/drawing/2010/main" w="9525">
                   <a:solidFill>
                     <a:srgbClr val="000000"/>
                   </a:solidFill>
@@ -3690,7 +3690,7 @@
             </a:ln>
             <a:extLst>
               <a:ext uri="{91240B29-F687-4f45-9708-019B960494DF}">
-                <a14:hiddenLine xmlns:a14="http://schemas.microsoft.com/office/drawing/2010/main" xmlns="" w="9525">
+                <a14:hiddenLine xmlns="" xmlns:a14="http://schemas.microsoft.com/office/drawing/2010/main" w="9525">
                   <a:solidFill>
                     <a:srgbClr val="000000"/>
                   </a:solidFill>
@@ -3752,7 +3752,7 @@
             </a:ln>
             <a:extLst>
               <a:ext uri="{91240B29-F687-4f45-9708-019B960494DF}">
-                <a14:hiddenLine xmlns:a14="http://schemas.microsoft.com/office/drawing/2010/main" xmlns="" w="9525">
+                <a14:hiddenLine xmlns="" xmlns:a14="http://schemas.microsoft.com/office/drawing/2010/main" w="9525">
                   <a:solidFill>
                     <a:srgbClr val="000000"/>
                   </a:solidFill>
@@ -3814,7 +3814,7 @@
             </a:ln>
             <a:extLst>
               <a:ext uri="{91240B29-F687-4f45-9708-019B960494DF}">
-                <a14:hiddenLine xmlns:a14="http://schemas.microsoft.com/office/drawing/2010/main" xmlns="" w="9525">
+                <a14:hiddenLine xmlns="" xmlns:a14="http://schemas.microsoft.com/office/drawing/2010/main" w="9525">
                   <a:solidFill>
                     <a:srgbClr val="000000"/>
                   </a:solidFill>
@@ -3904,7 +3904,7 @@
             </a:ln>
             <a:extLst>
               <a:ext uri="{91240B29-F687-4f45-9708-019B960494DF}">
-                <a14:hiddenLine xmlns:a14="http://schemas.microsoft.com/office/drawing/2010/main" xmlns="" w="9525">
+                <a14:hiddenLine xmlns="" xmlns:a14="http://schemas.microsoft.com/office/drawing/2010/main" w="9525">
                   <a:solidFill>
                     <a:srgbClr val="000000"/>
                   </a:solidFill>
@@ -3994,7 +3994,7 @@
             </a:ln>
             <a:extLst>
               <a:ext uri="{91240B29-F687-4f45-9708-019B960494DF}">
-                <a14:hiddenLine xmlns:a14="http://schemas.microsoft.com/office/drawing/2010/main" xmlns="" w="9525">
+                <a14:hiddenLine xmlns="" xmlns:a14="http://schemas.microsoft.com/office/drawing/2010/main" w="9525">
                   <a:solidFill>
                     <a:srgbClr val="000000"/>
                   </a:solidFill>
@@ -4056,7 +4056,7 @@
             </a:ln>
             <a:extLst>
               <a:ext uri="{91240B29-F687-4f45-9708-019B960494DF}">
-                <a14:hiddenLine xmlns:a14="http://schemas.microsoft.com/office/drawing/2010/main" xmlns="" w="9525">
+                <a14:hiddenLine xmlns="" xmlns:a14="http://schemas.microsoft.com/office/drawing/2010/main" w="9525">
                   <a:solidFill>
                     <a:srgbClr val="000000"/>
                   </a:solidFill>
@@ -4166,7 +4166,7 @@
             </a:ln>
             <a:extLst>
               <a:ext uri="{91240B29-F687-4f45-9708-019B960494DF}">
-                <a14:hiddenLine xmlns:a14="http://schemas.microsoft.com/office/drawing/2010/main" xmlns="" w="9525">
+                <a14:hiddenLine xmlns="" xmlns:a14="http://schemas.microsoft.com/office/drawing/2010/main" w="9525">
                   <a:solidFill>
                     <a:srgbClr val="000000"/>
                   </a:solidFill>
@@ -4228,7 +4228,7 @@
             </a:ln>
             <a:extLst>
               <a:ext uri="{91240B29-F687-4f45-9708-019B960494DF}">
-                <a14:hiddenLine xmlns:a14="http://schemas.microsoft.com/office/drawing/2010/main" xmlns="" w="9525">
+                <a14:hiddenLine xmlns="" xmlns:a14="http://schemas.microsoft.com/office/drawing/2010/main" w="9525">
                   <a:solidFill>
                     <a:srgbClr val="000000"/>
                   </a:solidFill>
@@ -4318,7 +4318,7 @@
             </a:ln>
             <a:extLst>
               <a:ext uri="{91240B29-F687-4f45-9708-019B960494DF}">
-                <a14:hiddenLine xmlns:a14="http://schemas.microsoft.com/office/drawing/2010/main" xmlns="" w="9525">
+                <a14:hiddenLine xmlns="" xmlns:a14="http://schemas.microsoft.com/office/drawing/2010/main" w="9525">
                   <a:solidFill>
                     <a:srgbClr val="000000"/>
                   </a:solidFill>
@@ -4408,7 +4408,7 @@
             </a:ln>
             <a:extLst>
               <a:ext uri="{91240B29-F687-4f45-9708-019B960494DF}">
-                <a14:hiddenLine xmlns:a14="http://schemas.microsoft.com/office/drawing/2010/main" xmlns="" w="9525">
+                <a14:hiddenLine xmlns="" xmlns:a14="http://schemas.microsoft.com/office/drawing/2010/main" w="9525">
                   <a:solidFill>
                     <a:srgbClr val="000000"/>
                   </a:solidFill>
@@ -4470,7 +4470,7 @@
             </a:ln>
             <a:extLst>
               <a:ext uri="{91240B29-F687-4f45-9708-019B960494DF}">
-                <a14:hiddenLine xmlns:a14="http://schemas.microsoft.com/office/drawing/2010/main" xmlns="" w="9525">
+                <a14:hiddenLine xmlns="" xmlns:a14="http://schemas.microsoft.com/office/drawing/2010/main" w="9525">
                   <a:solidFill>
                     <a:srgbClr val="000000"/>
                   </a:solidFill>
@@ -4560,7 +4560,7 @@
             </a:ln>
             <a:extLst>
               <a:ext uri="{91240B29-F687-4f45-9708-019B960494DF}">
-                <a14:hiddenLine xmlns:a14="http://schemas.microsoft.com/office/drawing/2010/main" xmlns="" w="9525">
+                <a14:hiddenLine xmlns="" xmlns:a14="http://schemas.microsoft.com/office/drawing/2010/main" w="9525">
                   <a:solidFill>
                     <a:srgbClr val="000000"/>
                   </a:solidFill>
@@ -4650,7 +4650,7 @@
             </a:ln>
             <a:extLst>
               <a:ext uri="{91240B29-F687-4f45-9708-019B960494DF}">
-                <a14:hiddenLine xmlns:a14="http://schemas.microsoft.com/office/drawing/2010/main" xmlns="" w="9525">
+                <a14:hiddenLine xmlns="" xmlns:a14="http://schemas.microsoft.com/office/drawing/2010/main" w="9525">
                   <a:solidFill>
                     <a:srgbClr val="000000"/>
                   </a:solidFill>
@@ -4706,7 +4706,7 @@
             </a:ln>
             <a:extLst>
               <a:ext uri="{91240B29-F687-4f45-9708-019B960494DF}">
-                <a14:hiddenLine xmlns:a14="http://schemas.microsoft.com/office/drawing/2010/main" xmlns="" w="9525">
+                <a14:hiddenLine xmlns="" xmlns:a14="http://schemas.microsoft.com/office/drawing/2010/main" w="9525">
                   <a:solidFill>
                     <a:srgbClr val="000000"/>
                   </a:solidFill>
@@ -4796,7 +4796,7 @@
             </a:ln>
             <a:extLst>
               <a:ext uri="{91240B29-F687-4f45-9708-019B960494DF}">
-                <a14:hiddenLine xmlns:a14="http://schemas.microsoft.com/office/drawing/2010/main" xmlns="" w="9525">
+                <a14:hiddenLine xmlns="" xmlns:a14="http://schemas.microsoft.com/office/drawing/2010/main" w="9525">
                   <a:solidFill>
                     <a:srgbClr val="000000"/>
                   </a:solidFill>
@@ -4852,7 +4852,7 @@
             </a:ln>
             <a:extLst>
               <a:ext uri="{91240B29-F687-4f45-9708-019B960494DF}">
-                <a14:hiddenLine xmlns:a14="http://schemas.microsoft.com/office/drawing/2010/main" xmlns="" w="9525">
+                <a14:hiddenLine xmlns="" xmlns:a14="http://schemas.microsoft.com/office/drawing/2010/main" w="9525">
                   <a:solidFill>
                     <a:srgbClr val="000000"/>
                   </a:solidFill>
@@ -4942,7 +4942,7 @@
             </a:ln>
             <a:extLst>
               <a:ext uri="{91240B29-F687-4f45-9708-019B960494DF}">
-                <a14:hiddenLine xmlns:a14="http://schemas.microsoft.com/office/drawing/2010/main" xmlns="" w="9525">
+                <a14:hiddenLine xmlns="" xmlns:a14="http://schemas.microsoft.com/office/drawing/2010/main" w="9525">
                   <a:solidFill>
                     <a:srgbClr val="000000"/>
                   </a:solidFill>
@@ -5010,7 +5010,7 @@
             </a:ln>
             <a:extLst>
               <a:ext uri="{91240B29-F687-4f45-9708-019B960494DF}">
-                <a14:hiddenLine xmlns:a14="http://schemas.microsoft.com/office/drawing/2010/main" xmlns="" w="9525">
+                <a14:hiddenLine xmlns="" xmlns:a14="http://schemas.microsoft.com/office/drawing/2010/main" w="9525">
                   <a:solidFill>
                     <a:srgbClr val="000000"/>
                   </a:solidFill>
@@ -5100,7 +5100,7 @@
             </a:ln>
             <a:extLst>
               <a:ext uri="{91240B29-F687-4f45-9708-019B960494DF}">
-                <a14:hiddenLine xmlns:a14="http://schemas.microsoft.com/office/drawing/2010/main" xmlns="" w="9525">
+                <a14:hiddenLine xmlns="" xmlns:a14="http://schemas.microsoft.com/office/drawing/2010/main" w="9525">
                   <a:solidFill>
                     <a:srgbClr val="000000"/>
                   </a:solidFill>
@@ -5168,7 +5168,7 @@
             </a:ln>
             <a:extLst>
               <a:ext uri="{91240B29-F687-4f45-9708-019B960494DF}">
-                <a14:hiddenLine xmlns:a14="http://schemas.microsoft.com/office/drawing/2010/main" xmlns="" w="9525">
+                <a14:hiddenLine xmlns="" xmlns:a14="http://schemas.microsoft.com/office/drawing/2010/main" w="9525">
                   <a:solidFill>
                     <a:srgbClr val="000000"/>
                   </a:solidFill>
@@ -5258,7 +5258,7 @@
             </a:ln>
             <a:extLst>
               <a:ext uri="{91240B29-F687-4f45-9708-019B960494DF}">
-                <a14:hiddenLine xmlns:a14="http://schemas.microsoft.com/office/drawing/2010/main" xmlns="" w="9525">
+                <a14:hiddenLine xmlns="" xmlns:a14="http://schemas.microsoft.com/office/drawing/2010/main" w="9525">
                   <a:solidFill>
                     <a:srgbClr val="000000"/>
                   </a:solidFill>
@@ -5292,7 +5292,7 @@
             </a:ln>
             <a:extLst>
               <a:ext uri="{91240B29-F687-4f45-9708-019B960494DF}">
-                <a14:hiddenLine xmlns:a14="http://schemas.microsoft.com/office/drawing/2010/main" xmlns="" w="9525">
+                <a14:hiddenLine xmlns="" xmlns:a14="http://schemas.microsoft.com/office/drawing/2010/main" w="9525">
                   <a:solidFill>
                     <a:srgbClr val="000000"/>
                   </a:solidFill>
@@ -5382,7 +5382,7 @@
             </a:ln>
             <a:extLst>
               <a:ext uri="{91240B29-F687-4f45-9708-019B960494DF}">
-                <a14:hiddenLine xmlns:a14="http://schemas.microsoft.com/office/drawing/2010/main" xmlns="" w="9525">
+                <a14:hiddenLine xmlns="" xmlns:a14="http://schemas.microsoft.com/office/drawing/2010/main" w="9525">
                   <a:solidFill>
                     <a:srgbClr val="000000"/>
                   </a:solidFill>
@@ -5444,7 +5444,7 @@
             </a:ln>
             <a:extLst>
               <a:ext uri="{91240B29-F687-4f45-9708-019B960494DF}">
-                <a14:hiddenLine xmlns:a14="http://schemas.microsoft.com/office/drawing/2010/main" xmlns="" w="9525">
+                <a14:hiddenLine xmlns="" xmlns:a14="http://schemas.microsoft.com/office/drawing/2010/main" w="9525">
                   <a:solidFill>
                     <a:srgbClr val="000000"/>
                   </a:solidFill>
@@ -5506,7 +5506,7 @@
             </a:ln>
             <a:extLst>
               <a:ext uri="{91240B29-F687-4f45-9708-019B960494DF}">
-                <a14:hiddenLine xmlns:a14="http://schemas.microsoft.com/office/drawing/2010/main" xmlns="" w="9525">
+                <a14:hiddenLine xmlns="" xmlns:a14="http://schemas.microsoft.com/office/drawing/2010/main" w="9525">
                   <a:solidFill>
                     <a:srgbClr val="000000"/>
                   </a:solidFill>
@@ -5596,7 +5596,7 @@
             </a:ln>
             <a:extLst>
               <a:ext uri="{91240B29-F687-4f45-9708-019B960494DF}">
-                <a14:hiddenLine xmlns:a14="http://schemas.microsoft.com/office/drawing/2010/main" xmlns="" w="9525">
+                <a14:hiddenLine xmlns="" xmlns:a14="http://schemas.microsoft.com/office/drawing/2010/main" w="9525">
                   <a:solidFill>
                     <a:srgbClr val="000000"/>
                   </a:solidFill>
@@ -5664,7 +5664,7 @@
             </a:ln>
             <a:extLst>
               <a:ext uri="{91240B29-F687-4f45-9708-019B960494DF}">
-                <a14:hiddenLine xmlns:a14="http://schemas.microsoft.com/office/drawing/2010/main" xmlns="" w="9525">
+                <a14:hiddenLine xmlns="" xmlns:a14="http://schemas.microsoft.com/office/drawing/2010/main" w="9525">
                   <a:solidFill>
                     <a:srgbClr val="000000"/>
                   </a:solidFill>
@@ -5726,7 +5726,7 @@
             </a:ln>
             <a:extLst>
               <a:ext uri="{91240B29-F687-4f45-9708-019B960494DF}">
-                <a14:hiddenLine xmlns:a14="http://schemas.microsoft.com/office/drawing/2010/main" xmlns="" w="9525">
+                <a14:hiddenLine xmlns="" xmlns:a14="http://schemas.microsoft.com/office/drawing/2010/main" w="9525">
                   <a:solidFill>
                     <a:srgbClr val="000000"/>
                   </a:solidFill>
@@ -5816,7 +5816,7 @@
             </a:ln>
             <a:extLst>
               <a:ext uri="{91240B29-F687-4f45-9708-019B960494DF}">
-                <a14:hiddenLine xmlns:a14="http://schemas.microsoft.com/office/drawing/2010/main" xmlns="" w="9525">
+                <a14:hiddenLine xmlns="" xmlns:a14="http://schemas.microsoft.com/office/drawing/2010/main" w="9525">
                   <a:solidFill>
                     <a:srgbClr val="000000"/>
                   </a:solidFill>
@@ -5878,7 +5878,7 @@
             </a:ln>
             <a:extLst>
               <a:ext uri="{91240B29-F687-4f45-9708-019B960494DF}">
-                <a14:hiddenLine xmlns:a14="http://schemas.microsoft.com/office/drawing/2010/main" xmlns="" w="9525">
+                <a14:hiddenLine xmlns="" xmlns:a14="http://schemas.microsoft.com/office/drawing/2010/main" w="9525">
                   <a:solidFill>
                     <a:srgbClr val="000000"/>
                   </a:solidFill>
@@ -5968,7 +5968,7 @@
             </a:ln>
             <a:extLst>
               <a:ext uri="{91240B29-F687-4f45-9708-019B960494DF}">
-                <a14:hiddenLine xmlns:a14="http://schemas.microsoft.com/office/drawing/2010/main" xmlns="" w="9525">
+                <a14:hiddenLine xmlns="" xmlns:a14="http://schemas.microsoft.com/office/drawing/2010/main" w="9525">
                   <a:solidFill>
                     <a:srgbClr val="000000"/>
                   </a:solidFill>
@@ -6030,7 +6030,7 @@
             </a:ln>
             <a:extLst>
               <a:ext uri="{91240B29-F687-4f45-9708-019B960494DF}">
-                <a14:hiddenLine xmlns:a14="http://schemas.microsoft.com/office/drawing/2010/main" xmlns="" w="9525">
+                <a14:hiddenLine xmlns="" xmlns:a14="http://schemas.microsoft.com/office/drawing/2010/main" w="9525">
                   <a:solidFill>
                     <a:srgbClr val="000000"/>
                   </a:solidFill>
@@ -6120,7 +6120,7 @@
             </a:ln>
             <a:extLst>
               <a:ext uri="{91240B29-F687-4f45-9708-019B960494DF}">
-                <a14:hiddenLine xmlns:a14="http://schemas.microsoft.com/office/drawing/2010/main" xmlns="" w="9525">
+                <a14:hiddenLine xmlns="" xmlns:a14="http://schemas.microsoft.com/office/drawing/2010/main" w="9525">
                   <a:solidFill>
                     <a:srgbClr val="000000"/>
                   </a:solidFill>
@@ -6154,7 +6154,7 @@
             </a:ln>
             <a:extLst>
               <a:ext uri="{91240B29-F687-4f45-9708-019B960494DF}">
-                <a14:hiddenLine xmlns:a14="http://schemas.microsoft.com/office/drawing/2010/main" xmlns="" w="9525">
+                <a14:hiddenLine xmlns="" xmlns:a14="http://schemas.microsoft.com/office/drawing/2010/main" w="9525">
                   <a:solidFill>
                     <a:srgbClr val="000000"/>
                   </a:solidFill>
@@ -6219,7 +6219,7 @@
             </a:ln>
             <a:extLst>
               <a:ext uri="{91240B29-F687-4f45-9708-019B960494DF}">
-                <a14:hiddenLine xmlns:a14="http://schemas.microsoft.com/office/drawing/2010/main" xmlns="" w="9525">
+                <a14:hiddenLine xmlns="" xmlns:a14="http://schemas.microsoft.com/office/drawing/2010/main" w="9525">
                   <a:solidFill>
                     <a:srgbClr val="000000"/>
                   </a:solidFill>
@@ -6309,7 +6309,7 @@
             </a:ln>
             <a:extLst>
               <a:ext uri="{91240B29-F687-4f45-9708-019B960494DF}">
-                <a14:hiddenLine xmlns:a14="http://schemas.microsoft.com/office/drawing/2010/main" xmlns="" w="9525">
+                <a14:hiddenLine xmlns="" xmlns:a14="http://schemas.microsoft.com/office/drawing/2010/main" w="9525">
                   <a:solidFill>
                     <a:srgbClr val="000000"/>
                   </a:solidFill>
@@ -6371,7 +6371,7 @@
             </a:ln>
             <a:extLst>
               <a:ext uri="{91240B29-F687-4f45-9708-019B960494DF}">
-                <a14:hiddenLine xmlns:a14="http://schemas.microsoft.com/office/drawing/2010/main" xmlns="" w="9525">
+                <a14:hiddenLine xmlns="" xmlns:a14="http://schemas.microsoft.com/office/drawing/2010/main" w="9525">
                   <a:solidFill>
                     <a:srgbClr val="000000"/>
                   </a:solidFill>
@@ -6461,7 +6461,7 @@
             </a:ln>
             <a:extLst>
               <a:ext uri="{91240B29-F687-4f45-9708-019B960494DF}">
-                <a14:hiddenLine xmlns:a14="http://schemas.microsoft.com/office/drawing/2010/main" xmlns="" w="9525">
+                <a14:hiddenLine xmlns="" xmlns:a14="http://schemas.microsoft.com/office/drawing/2010/main" w="9525">
                   <a:solidFill>
                     <a:srgbClr val="000000"/>
                   </a:solidFill>
@@ -6551,7 +6551,7 @@
             </a:ln>
             <a:extLst>
               <a:ext uri="{91240B29-F687-4f45-9708-019B960494DF}">
-                <a14:hiddenLine xmlns:a14="http://schemas.microsoft.com/office/drawing/2010/main" xmlns="" w="9525">
+                <a14:hiddenLine xmlns="" xmlns:a14="http://schemas.microsoft.com/office/drawing/2010/main" w="9525">
                   <a:solidFill>
                     <a:srgbClr val="000000"/>
                   </a:solidFill>
@@ -6616,7 +6616,7 @@
             </a:ln>
             <a:extLst>
               <a:ext uri="{91240B29-F687-4f45-9708-019B960494DF}">
-                <a14:hiddenLine xmlns:a14="http://schemas.microsoft.com/office/drawing/2010/main" xmlns="" w="9525">
+                <a14:hiddenLine xmlns="" xmlns:a14="http://schemas.microsoft.com/office/drawing/2010/main" w="9525">
                   <a:solidFill>
                     <a:srgbClr val="000000"/>
                   </a:solidFill>
@@ -6678,7 +6678,7 @@
             </a:ln>
             <a:extLst>
               <a:ext uri="{91240B29-F687-4f45-9708-019B960494DF}">
-                <a14:hiddenLine xmlns:a14="http://schemas.microsoft.com/office/drawing/2010/main" xmlns="" w="9525">
+                <a14:hiddenLine xmlns="" xmlns:a14="http://schemas.microsoft.com/office/drawing/2010/main" w="9525">
                   <a:solidFill>
                     <a:srgbClr val="000000"/>
                   </a:solidFill>
@@ -6768,7 +6768,7 @@
             </a:ln>
             <a:extLst>
               <a:ext uri="{91240B29-F687-4f45-9708-019B960494DF}">
-                <a14:hiddenLine xmlns:a14="http://schemas.microsoft.com/office/drawing/2010/main" xmlns="" w="9525">
+                <a14:hiddenLine xmlns="" xmlns:a14="http://schemas.microsoft.com/office/drawing/2010/main" w="9525">
                   <a:solidFill>
                     <a:srgbClr val="000000"/>
                   </a:solidFill>
@@ -6858,7 +6858,7 @@
             </a:ln>
             <a:extLst>
               <a:ext uri="{91240B29-F687-4f45-9708-019B960494DF}">
-                <a14:hiddenLine xmlns:a14="http://schemas.microsoft.com/office/drawing/2010/main" xmlns="" w="9525">
+                <a14:hiddenLine xmlns="" xmlns:a14="http://schemas.microsoft.com/office/drawing/2010/main" w="9525">
                   <a:solidFill>
                     <a:srgbClr val="000000"/>
                   </a:solidFill>
@@ -6920,7 +6920,7 @@
             </a:ln>
             <a:extLst>
               <a:ext uri="{91240B29-F687-4f45-9708-019B960494DF}">
-                <a14:hiddenLine xmlns:a14="http://schemas.microsoft.com/office/drawing/2010/main" xmlns="" w="9525">
+                <a14:hiddenLine xmlns="" xmlns:a14="http://schemas.microsoft.com/office/drawing/2010/main" w="9525">
                   <a:solidFill>
                     <a:srgbClr val="000000"/>
                   </a:solidFill>
@@ -7040,7 +7040,7 @@
             </a:ln>
             <a:extLst>
               <a:ext uri="{91240B29-F687-4f45-9708-019B960494DF}">
-                <a14:hiddenLine xmlns:a14="http://schemas.microsoft.com/office/drawing/2010/main" xmlns="" w="9525">
+                <a14:hiddenLine xmlns="" xmlns:a14="http://schemas.microsoft.com/office/drawing/2010/main" w="9525">
                   <a:solidFill>
                     <a:srgbClr val="000000"/>
                   </a:solidFill>
@@ -7108,7 +7108,7 @@
             </a:ln>
             <a:extLst>
               <a:ext uri="{91240B29-F687-4f45-9708-019B960494DF}">
-                <a14:hiddenLine xmlns:a14="http://schemas.microsoft.com/office/drawing/2010/main" xmlns="" w="9525">
+                <a14:hiddenLine xmlns="" xmlns:a14="http://schemas.microsoft.com/office/drawing/2010/main" w="9525">
                   <a:solidFill>
                     <a:srgbClr val="000000"/>
                   </a:solidFill>
@@ -7198,7 +7198,7 @@
             </a:ln>
             <a:extLst>
               <a:ext uri="{91240B29-F687-4f45-9708-019B960494DF}">
-                <a14:hiddenLine xmlns:a14="http://schemas.microsoft.com/office/drawing/2010/main" xmlns="" w="9525">
+                <a14:hiddenLine xmlns="" xmlns:a14="http://schemas.microsoft.com/office/drawing/2010/main" w="9525">
                   <a:solidFill>
                     <a:srgbClr val="000000"/>
                   </a:solidFill>
@@ -12140,7 +12140,7 @@
           <a:noFill/>
           <a:extLst>
             <a:ext uri="{909E8E84-426E-40dd-AFC4-6F175D3DCCD1}">
-              <a14:hiddenFill xmlns:a14="http://schemas.microsoft.com/office/drawing/2010/main" xmlns="">
+              <a14:hiddenFill xmlns="" xmlns:a14="http://schemas.microsoft.com/office/drawing/2010/main">
                 <a:solidFill>
                   <a:srgbClr val="FFFFFF"/>
                 </a:solidFill>
@@ -12214,7 +12214,7 @@
               </a:ln>
               <a:extLst>
                 <a:ext uri="{91240B29-F687-4f45-9708-019B960494DF}">
-                  <a14:hiddenLine xmlns:a14="http://schemas.microsoft.com/office/drawing/2010/main" xmlns="" w="9525">
+                  <a14:hiddenLine xmlns="" xmlns:a14="http://schemas.microsoft.com/office/drawing/2010/main" w="9525">
                     <a:solidFill>
                       <a:srgbClr val="000000"/>
                     </a:solidFill>
@@ -12304,7 +12304,7 @@
               </a:ln>
               <a:extLst>
                 <a:ext uri="{91240B29-F687-4f45-9708-019B960494DF}">
-                  <a14:hiddenLine xmlns:a14="http://schemas.microsoft.com/office/drawing/2010/main" xmlns="" w="9525">
+                  <a14:hiddenLine xmlns="" xmlns:a14="http://schemas.microsoft.com/office/drawing/2010/main" w="9525">
                     <a:solidFill>
                       <a:srgbClr val="000000"/>
                     </a:solidFill>
@@ -12394,7 +12394,7 @@
               </a:ln>
               <a:extLst>
                 <a:ext uri="{91240B29-F687-4f45-9708-019B960494DF}">
-                  <a14:hiddenLine xmlns:a14="http://schemas.microsoft.com/office/drawing/2010/main" xmlns="" w="9525">
+                  <a14:hiddenLine xmlns="" xmlns:a14="http://schemas.microsoft.com/office/drawing/2010/main" w="9525">
                     <a:solidFill>
                       <a:srgbClr val="000000"/>
                     </a:solidFill>
@@ -12456,7 +12456,7 @@
               </a:ln>
               <a:extLst>
                 <a:ext uri="{91240B29-F687-4f45-9708-019B960494DF}">
-                  <a14:hiddenLine xmlns:a14="http://schemas.microsoft.com/office/drawing/2010/main" xmlns="" w="9525">
+                  <a14:hiddenLine xmlns="" xmlns:a14="http://schemas.microsoft.com/office/drawing/2010/main" w="9525">
                     <a:solidFill>
                       <a:srgbClr val="000000"/>
                     </a:solidFill>
@@ -12546,7 +12546,7 @@
               </a:ln>
               <a:extLst>
                 <a:ext uri="{91240B29-F687-4f45-9708-019B960494DF}">
-                  <a14:hiddenLine xmlns:a14="http://schemas.microsoft.com/office/drawing/2010/main" xmlns="" w="9525">
+                  <a14:hiddenLine xmlns="" xmlns:a14="http://schemas.microsoft.com/office/drawing/2010/main" w="9525">
                     <a:solidFill>
                       <a:srgbClr val="000000"/>
                     </a:solidFill>
@@ -12608,7 +12608,7 @@
               </a:ln>
               <a:extLst>
                 <a:ext uri="{91240B29-F687-4f45-9708-019B960494DF}">
-                  <a14:hiddenLine xmlns:a14="http://schemas.microsoft.com/office/drawing/2010/main" xmlns="" w="9525">
+                  <a14:hiddenLine xmlns="" xmlns:a14="http://schemas.microsoft.com/office/drawing/2010/main" w="9525">
                     <a:solidFill>
                       <a:srgbClr val="000000"/>
                     </a:solidFill>
@@ -12670,7 +12670,7 @@
               </a:ln>
               <a:extLst>
                 <a:ext uri="{91240B29-F687-4f45-9708-019B960494DF}">
-                  <a14:hiddenLine xmlns:a14="http://schemas.microsoft.com/office/drawing/2010/main" xmlns="" w="9525">
+                  <a14:hiddenLine xmlns="" xmlns:a14="http://schemas.microsoft.com/office/drawing/2010/main" w="9525">
                     <a:solidFill>
                       <a:srgbClr val="000000"/>
                     </a:solidFill>
@@ -12760,7 +12760,7 @@
               </a:ln>
               <a:extLst>
                 <a:ext uri="{91240B29-F687-4f45-9708-019B960494DF}">
-                  <a14:hiddenLine xmlns:a14="http://schemas.microsoft.com/office/drawing/2010/main" xmlns="" w="9525">
+                  <a14:hiddenLine xmlns="" xmlns:a14="http://schemas.microsoft.com/office/drawing/2010/main" w="9525">
                     <a:solidFill>
                       <a:srgbClr val="000000"/>
                     </a:solidFill>
@@ -12850,7 +12850,7 @@
               </a:ln>
               <a:extLst>
                 <a:ext uri="{91240B29-F687-4f45-9708-019B960494DF}">
-                  <a14:hiddenLine xmlns:a14="http://schemas.microsoft.com/office/drawing/2010/main" xmlns="" w="9525">
+                  <a14:hiddenLine xmlns="" xmlns:a14="http://schemas.microsoft.com/office/drawing/2010/main" w="9525">
                     <a:solidFill>
                       <a:srgbClr val="000000"/>
                     </a:solidFill>
@@ -12912,7 +12912,7 @@
               </a:ln>
               <a:extLst>
                 <a:ext uri="{91240B29-F687-4f45-9708-019B960494DF}">
-                  <a14:hiddenLine xmlns:a14="http://schemas.microsoft.com/office/drawing/2010/main" xmlns="" w="9525">
+                  <a14:hiddenLine xmlns="" xmlns:a14="http://schemas.microsoft.com/office/drawing/2010/main" w="9525">
                     <a:solidFill>
                       <a:srgbClr val="000000"/>
                     </a:solidFill>
@@ -13022,7 +13022,7 @@
               </a:ln>
               <a:extLst>
                 <a:ext uri="{91240B29-F687-4f45-9708-019B960494DF}">
-                  <a14:hiddenLine xmlns:a14="http://schemas.microsoft.com/office/drawing/2010/main" xmlns="" w="9525">
+                  <a14:hiddenLine xmlns="" xmlns:a14="http://schemas.microsoft.com/office/drawing/2010/main" w="9525">
                     <a:solidFill>
                       <a:srgbClr val="000000"/>
                     </a:solidFill>
@@ -13106,7 +13106,7 @@
               </a:ln>
               <a:extLst>
                 <a:ext uri="{91240B29-F687-4f45-9708-019B960494DF}">
-                  <a14:hiddenLine xmlns:a14="http://schemas.microsoft.com/office/drawing/2010/main" xmlns="" w="9525">
+                  <a14:hiddenLine xmlns="" xmlns:a14="http://schemas.microsoft.com/office/drawing/2010/main" w="9525">
                     <a:solidFill>
                       <a:srgbClr val="000000"/>
                     </a:solidFill>
@@ -13168,7 +13168,7 @@
               </a:ln>
               <a:extLst>
                 <a:ext uri="{91240B29-F687-4f45-9708-019B960494DF}">
-                  <a14:hiddenLine xmlns:a14="http://schemas.microsoft.com/office/drawing/2010/main" xmlns="" w="9525">
+                  <a14:hiddenLine xmlns="" xmlns:a14="http://schemas.microsoft.com/office/drawing/2010/main" w="9525">
                     <a:solidFill>
                       <a:srgbClr val="000000"/>
                     </a:solidFill>
@@ -13230,7 +13230,7 @@
               </a:ln>
               <a:extLst>
                 <a:ext uri="{91240B29-F687-4f45-9708-019B960494DF}">
-                  <a14:hiddenLine xmlns:a14="http://schemas.microsoft.com/office/drawing/2010/main" xmlns="" w="9525">
+                  <a14:hiddenLine xmlns="" xmlns:a14="http://schemas.microsoft.com/office/drawing/2010/main" w="9525">
                     <a:solidFill>
                       <a:srgbClr val="000000"/>
                     </a:solidFill>
@@ -13320,7 +13320,7 @@
               </a:ln>
               <a:extLst>
                 <a:ext uri="{91240B29-F687-4f45-9708-019B960494DF}">
-                  <a14:hiddenLine xmlns:a14="http://schemas.microsoft.com/office/drawing/2010/main" xmlns="" w="9525">
+                  <a14:hiddenLine xmlns="" xmlns:a14="http://schemas.microsoft.com/office/drawing/2010/main" w="9525">
                     <a:solidFill>
                       <a:srgbClr val="000000"/>
                     </a:solidFill>
@@ -13354,7 +13354,7 @@
               </a:ln>
               <a:extLst>
                 <a:ext uri="{91240B29-F687-4f45-9708-019B960494DF}">
-                  <a14:hiddenLine xmlns:a14="http://schemas.microsoft.com/office/drawing/2010/main" xmlns="" w="9525">
+                  <a14:hiddenLine xmlns="" xmlns:a14="http://schemas.microsoft.com/office/drawing/2010/main" w="9525">
                     <a:solidFill>
                       <a:srgbClr val="000000"/>
                     </a:solidFill>
@@ -13419,7 +13419,7 @@
               </a:ln>
               <a:extLst>
                 <a:ext uri="{91240B29-F687-4f45-9708-019B960494DF}">
-                  <a14:hiddenLine xmlns:a14="http://schemas.microsoft.com/office/drawing/2010/main" xmlns="" w="9525">
+                  <a14:hiddenLine xmlns="" xmlns:a14="http://schemas.microsoft.com/office/drawing/2010/main" w="9525">
                     <a:solidFill>
                       <a:srgbClr val="000000"/>
                     </a:solidFill>
@@ -13509,7 +13509,7 @@
               </a:ln>
               <a:extLst>
                 <a:ext uri="{91240B29-F687-4f45-9708-019B960494DF}">
-                  <a14:hiddenLine xmlns:a14="http://schemas.microsoft.com/office/drawing/2010/main" xmlns="" w="9525">
+                  <a14:hiddenLine xmlns="" xmlns:a14="http://schemas.microsoft.com/office/drawing/2010/main" w="9525">
                     <a:solidFill>
                       <a:srgbClr val="000000"/>
                     </a:solidFill>
@@ -13571,7 +13571,7 @@
               </a:ln>
               <a:extLst>
                 <a:ext uri="{91240B29-F687-4f45-9708-019B960494DF}">
-                  <a14:hiddenLine xmlns:a14="http://schemas.microsoft.com/office/drawing/2010/main" xmlns="" w="9525">
+                  <a14:hiddenLine xmlns="" xmlns:a14="http://schemas.microsoft.com/office/drawing/2010/main" w="9525">
                     <a:solidFill>
                       <a:srgbClr val="000000"/>
                     </a:solidFill>
@@ -13661,7 +13661,7 @@
               </a:ln>
               <a:extLst>
                 <a:ext uri="{91240B29-F687-4f45-9708-019B960494DF}">
-                  <a14:hiddenLine xmlns:a14="http://schemas.microsoft.com/office/drawing/2010/main" xmlns="" w="9525">
+                  <a14:hiddenLine xmlns="" xmlns:a14="http://schemas.microsoft.com/office/drawing/2010/main" w="9525">
                     <a:solidFill>
                       <a:srgbClr val="000000"/>
                     </a:solidFill>
@@ -13726,7 +13726,7 @@
               </a:ln>
               <a:extLst>
                 <a:ext uri="{91240B29-F687-4f45-9708-019B960494DF}">
-                  <a14:hiddenLine xmlns:a14="http://schemas.microsoft.com/office/drawing/2010/main" xmlns="" w="9525">
+                  <a14:hiddenLine xmlns="" xmlns:a14="http://schemas.microsoft.com/office/drawing/2010/main" w="9525">
                     <a:solidFill>
                       <a:srgbClr val="000000"/>
                     </a:solidFill>
@@ -13788,7 +13788,7 @@
               </a:ln>
               <a:extLst>
                 <a:ext uri="{91240B29-F687-4f45-9708-019B960494DF}">
-                  <a14:hiddenLine xmlns:a14="http://schemas.microsoft.com/office/drawing/2010/main" xmlns="" w="9525">
+                  <a14:hiddenLine xmlns="" xmlns:a14="http://schemas.microsoft.com/office/drawing/2010/main" w="9525">
                     <a:solidFill>
                       <a:srgbClr val="000000"/>
                     </a:solidFill>
@@ -13878,7 +13878,7 @@
               </a:ln>
               <a:extLst>
                 <a:ext uri="{91240B29-F687-4f45-9708-019B960494DF}">
-                  <a14:hiddenLine xmlns:a14="http://schemas.microsoft.com/office/drawing/2010/main" xmlns="" w="9525">
+                  <a14:hiddenLine xmlns="" xmlns:a14="http://schemas.microsoft.com/office/drawing/2010/main" w="9525">
                     <a:solidFill>
                       <a:srgbClr val="000000"/>
                     </a:solidFill>
@@ -13968,7 +13968,7 @@
               </a:ln>
               <a:extLst>
                 <a:ext uri="{91240B29-F687-4f45-9708-019B960494DF}">
-                  <a14:hiddenLine xmlns:a14="http://schemas.microsoft.com/office/drawing/2010/main" xmlns="" w="9525">
+                  <a14:hiddenLine xmlns="" xmlns:a14="http://schemas.microsoft.com/office/drawing/2010/main" w="9525">
                     <a:solidFill>
                       <a:srgbClr val="000000"/>
                     </a:solidFill>
@@ -14033,7 +14033,7 @@
               </a:ln>
               <a:extLst>
                 <a:ext uri="{91240B29-F687-4f45-9708-019B960494DF}">
-                  <a14:hiddenLine xmlns:a14="http://schemas.microsoft.com/office/drawing/2010/main" xmlns="" w="9525">
+                  <a14:hiddenLine xmlns="" xmlns:a14="http://schemas.microsoft.com/office/drawing/2010/main" w="9525">
                     <a:solidFill>
                       <a:srgbClr val="000000"/>
                     </a:solidFill>
@@ -14153,7 +14153,7 @@
               </a:ln>
               <a:extLst>
                 <a:ext uri="{91240B29-F687-4f45-9708-019B960494DF}">
-                  <a14:hiddenLine xmlns:a14="http://schemas.microsoft.com/office/drawing/2010/main" xmlns="" w="9525">
+                  <a14:hiddenLine xmlns="" xmlns:a14="http://schemas.microsoft.com/office/drawing/2010/main" w="9525">
                     <a:solidFill>
                       <a:srgbClr val="000000"/>
                     </a:solidFill>
@@ -14251,7 +14251,7 @@
               </a:ln>
               <a:extLst>
                 <a:ext uri="{91240B29-F687-4f45-9708-019B960494DF}">
-                  <a14:hiddenLine xmlns:a14="http://schemas.microsoft.com/office/drawing/2010/main" xmlns="" w="9525">
+                  <a14:hiddenLine xmlns="" xmlns:a14="http://schemas.microsoft.com/office/drawing/2010/main" w="9525">
                     <a:solidFill>
                       <a:srgbClr val="000000"/>
                     </a:solidFill>
@@ -14366,7 +14366,7 @@
               </a:ln>
               <a:extLst>
                 <a:ext uri="{91240B29-F687-4f45-9708-019B960494DF}">
-                  <a14:hiddenLine xmlns:a14="http://schemas.microsoft.com/office/drawing/2010/main" xmlns="" w="9525">
+                  <a14:hiddenLine xmlns="" xmlns:a14="http://schemas.microsoft.com/office/drawing/2010/main" w="9525">
                     <a:solidFill>
                       <a:srgbClr val="000000"/>
                     </a:solidFill>
@@ -14456,7 +14456,7 @@
               </a:ln>
               <a:extLst>
                 <a:ext uri="{91240B29-F687-4f45-9708-019B960494DF}">
-                  <a14:hiddenLine xmlns:a14="http://schemas.microsoft.com/office/drawing/2010/main" xmlns="" w="9525">
+                  <a14:hiddenLine xmlns="" xmlns:a14="http://schemas.microsoft.com/office/drawing/2010/main" w="9525">
                     <a:solidFill>
                       <a:srgbClr val="000000"/>
                     </a:solidFill>
@@ -14521,7 +14521,7 @@
               </a:ln>
               <a:extLst>
                 <a:ext uri="{91240B29-F687-4f45-9708-019B960494DF}">
-                  <a14:hiddenLine xmlns:a14="http://schemas.microsoft.com/office/drawing/2010/main" xmlns="" w="9525">
+                  <a14:hiddenLine xmlns="" xmlns:a14="http://schemas.microsoft.com/office/drawing/2010/main" w="9525">
                     <a:solidFill>
                       <a:srgbClr val="000000"/>
                     </a:solidFill>
@@ -14611,7 +14611,7 @@
               </a:ln>
               <a:extLst>
                 <a:ext uri="{91240B29-F687-4f45-9708-019B960494DF}">
-                  <a14:hiddenLine xmlns:a14="http://schemas.microsoft.com/office/drawing/2010/main" xmlns="" w="9525">
+                  <a14:hiddenLine xmlns="" xmlns:a14="http://schemas.microsoft.com/office/drawing/2010/main" w="9525">
                     <a:solidFill>
                       <a:srgbClr val="000000"/>
                     </a:solidFill>
@@ -14679,7 +14679,7 @@
               </a:ln>
               <a:extLst>
                 <a:ext uri="{91240B29-F687-4f45-9708-019B960494DF}">
-                  <a14:hiddenLine xmlns:a14="http://schemas.microsoft.com/office/drawing/2010/main" xmlns="" w="9525">
+                  <a14:hiddenLine xmlns="" xmlns:a14="http://schemas.microsoft.com/office/drawing/2010/main" w="9525">
                     <a:solidFill>
                       <a:srgbClr val="000000"/>
                     </a:solidFill>
@@ -14769,7 +14769,7 @@
               </a:ln>
               <a:extLst>
                 <a:ext uri="{91240B29-F687-4f45-9708-019B960494DF}">
-                  <a14:hiddenLine xmlns:a14="http://schemas.microsoft.com/office/drawing/2010/main" xmlns="" w="9525">
+                  <a14:hiddenLine xmlns="" xmlns:a14="http://schemas.microsoft.com/office/drawing/2010/main" w="9525">
                     <a:solidFill>
                       <a:srgbClr val="000000"/>
                     </a:solidFill>
@@ -14837,7 +14837,7 @@
               </a:ln>
               <a:extLst>
                 <a:ext uri="{91240B29-F687-4f45-9708-019B960494DF}">
-                  <a14:hiddenLine xmlns:a14="http://schemas.microsoft.com/office/drawing/2010/main" xmlns="" w="9525">
+                  <a14:hiddenLine xmlns="" xmlns:a14="http://schemas.microsoft.com/office/drawing/2010/main" w="9525">
                     <a:solidFill>
                       <a:srgbClr val="000000"/>
                     </a:solidFill>
@@ -14927,7 +14927,7 @@
               </a:ln>
               <a:extLst>
                 <a:ext uri="{91240B29-F687-4f45-9708-019B960494DF}">
-                  <a14:hiddenLine xmlns:a14="http://schemas.microsoft.com/office/drawing/2010/main" xmlns="" w="9525">
+                  <a14:hiddenLine xmlns="" xmlns:a14="http://schemas.microsoft.com/office/drawing/2010/main" w="9525">
                     <a:solidFill>
                       <a:srgbClr val="000000"/>
                     </a:solidFill>
@@ -14961,7 +14961,7 @@
               </a:ln>
               <a:extLst>
                 <a:ext uri="{91240B29-F687-4f45-9708-019B960494DF}">
-                  <a14:hiddenLine xmlns:a14="http://schemas.microsoft.com/office/drawing/2010/main" xmlns="" w="9525">
+                  <a14:hiddenLine xmlns="" xmlns:a14="http://schemas.microsoft.com/office/drawing/2010/main" w="9525">
                     <a:solidFill>
                       <a:srgbClr val="000000"/>
                     </a:solidFill>
@@ -17155,8 +17155,8 @@
           </a:fontRef>
         </p:style>
       </p:cxnSp>
-      <mc:AlternateContent xmlns:mc="http://schemas.openxmlformats.org/markup-compatibility/2006">
-        <mc:Choice xmlns:a14="http://schemas.microsoft.com/office/drawing/2010/main" Requires="a14">
+      <mc:AlternateContent xmlns:mc="http://schemas.openxmlformats.org/markup-compatibility/2006" xmlns:a14="http://schemas.microsoft.com/office/drawing/2010/main">
+        <mc:Choice Requires="a14">
           <p:sp>
             <p:nvSpPr>
               <p:cNvPr id="12" name="Rectangle 11"/>
@@ -17351,7 +17351,7 @@
             </p:txBody>
           </p:sp>
         </mc:Choice>
-        <mc:Fallback>
+        <mc:Fallback xmlns="">
           <p:sp>
             <p:nvSpPr>
               <p:cNvPr id="12" name="Rectangle 11"/>
@@ -19507,7 +19507,7 @@
                 <a:ea typeface="ＭＳ Ｐゴシック" charset="0"/>
                 <a:cs typeface="ＭＳ Ｐゴシック" charset="0"/>
               </a:rPr>
-              <a:t>Introduction to SWMM</a:t>
+              <a:t>Goodwin Avenue Example</a:t>
             </a:r>
           </a:p>
           <a:p>
@@ -19518,7 +19518,7 @@
                 <a:ea typeface="ＭＳ Ｐゴシック" charset="0"/>
                 <a:cs typeface="ＭＳ Ｐゴシック" charset="0"/>
               </a:rPr>
-              <a:t>Used to perform hydraulic simulations</a:t>
+              <a:t>Same layout as this lesson</a:t>
             </a:r>
           </a:p>
           <a:p>
@@ -19529,7 +19529,7 @@
                 <a:ea typeface="ＭＳ Ｐゴシック" charset="0"/>
                 <a:cs typeface="ＭＳ Ｐゴシック" charset="0"/>
               </a:rPr>
-              <a:t>Similar interface to EPANET, more complicated tool</a:t>
+              <a:t>Step-by-step</a:t>
             </a:r>
           </a:p>
         </p:txBody>
@@ -20895,8 +20895,8 @@
           </a:p>
         </p:txBody>
       </p:sp>
-      <mc:AlternateContent xmlns:mc="http://schemas.openxmlformats.org/markup-compatibility/2006">
-        <mc:Choice xmlns:a14="http://schemas.microsoft.com/office/drawing/2010/main" Requires="a14">
+      <mc:AlternateContent xmlns:mc="http://schemas.openxmlformats.org/markup-compatibility/2006" xmlns:a14="http://schemas.microsoft.com/office/drawing/2010/main">
+        <mc:Choice Requires="a14">
           <p:sp>
             <p:nvSpPr>
               <p:cNvPr id="19" name="Rectangle 18"/>
@@ -21064,7 +21064,7 @@
             </p:txBody>
           </p:sp>
         </mc:Choice>
-        <mc:Fallback>
+        <mc:Fallback xmlns="">
           <p:sp>
             <p:nvSpPr>
               <p:cNvPr id="19" name="Rectangle 18"/>
@@ -21263,8 +21263,8 @@
           </a:p>
         </p:txBody>
       </p:sp>
-      <mc:AlternateContent xmlns:mc="http://schemas.openxmlformats.org/markup-compatibility/2006">
-        <mc:Choice xmlns:a14="http://schemas.microsoft.com/office/drawing/2010/main" Requires="a14">
+      <mc:AlternateContent xmlns:mc="http://schemas.openxmlformats.org/markup-compatibility/2006" xmlns:a14="http://schemas.microsoft.com/office/drawing/2010/main">
+        <mc:Choice Requires="a14">
           <p:sp>
             <p:nvSpPr>
               <p:cNvPr id="29" name="Rectangle 28"/>
@@ -21338,7 +21338,7 @@
             </p:txBody>
           </p:sp>
         </mc:Choice>
-        <mc:Fallback>
+        <mc:Fallback xmlns="">
           <p:sp>
             <p:nvSpPr>
               <p:cNvPr id="29" name="Rectangle 28"/>
@@ -21377,8 +21377,8 @@
           </p:sp>
         </mc:Fallback>
       </mc:AlternateContent>
-      <mc:AlternateContent xmlns:mc="http://schemas.openxmlformats.org/markup-compatibility/2006">
-        <mc:Choice xmlns:a14="http://schemas.microsoft.com/office/drawing/2010/main" Requires="a14">
+      <mc:AlternateContent xmlns:mc="http://schemas.openxmlformats.org/markup-compatibility/2006" xmlns:a14="http://schemas.microsoft.com/office/drawing/2010/main">
+        <mc:Choice Requires="a14">
           <p:sp>
             <p:nvSpPr>
               <p:cNvPr id="16" name="Rectangle 15"/>
@@ -21495,7 +21495,7 @@
             </p:txBody>
           </p:sp>
         </mc:Choice>
-        <mc:Fallback>
+        <mc:Fallback xmlns="">
           <p:sp>
             <p:nvSpPr>
               <p:cNvPr id="16" name="Rectangle 15"/>
